--- a/BaoCaoDoAn1.pptx
+++ b/BaoCaoDoAn1.pptx
@@ -116,6 +116,11 @@
       </a:defRPr>
     </a:lvl9pPr>
   </p:defaultTextStyle>
+  <p:extLst>
+    <p:ext uri="{EFAFB233-063F-42B5-8137-9DF3F51BA10A}">
+      <p15:sldGuideLst xmlns:p15="http://schemas.microsoft.com/office/powerpoint/2012/main"/>
+    </p:ext>
+  </p:extLst>
 </p:presentation>
 </file>
 
@@ -870,8 +875,8 @@
           <a:bodyPr/>
           <a:lstStyle/>
           <a:p>
-            <a:fld id="{8B4AF60A-713C-41BA-9788-4C493DDC0A9C}" type="datetimeFigureOut">
-              <a:rPr lang="en-US" dirty="0"/>
+            <a:fld id="{249B45D0-7E82-4276-8E3D-1E925B6BDE27}" type="datetime1">
+              <a:rPr lang="en-US" smtClean="0"/>
               <a:t>12/2/2019</a:t>
             </a:fld>
             <a:endParaRPr lang="en-US" dirty="0"/>
@@ -1045,8 +1050,8 @@
           <a:bodyPr/>
           <a:lstStyle/>
           <a:p>
-            <a:fld id="{7E5E0FA7-C445-42F7-AF66-A4F5A6FC8A9C}" type="datetimeFigureOut">
-              <a:rPr lang="en-US" dirty="0"/>
+            <a:fld id="{CCF4CC26-1A21-4617-9BC9-0C0E93D25710}" type="datetime1">
+              <a:rPr lang="en-US" smtClean="0"/>
               <a:t>12/2/2019</a:t>
             </a:fld>
             <a:endParaRPr lang="en-US" dirty="0"/>
@@ -1220,8 +1225,8 @@
           <a:bodyPr/>
           <a:lstStyle/>
           <a:p>
-            <a:fld id="{585AC5C5-1A57-4420-8AFB-CE41693A794B}" type="datetimeFigureOut">
-              <a:rPr lang="en-US" dirty="0"/>
+            <a:fld id="{B6A79C51-C5FC-40E3-A682-EE64AD1EC35A}" type="datetime1">
+              <a:rPr lang="en-US" smtClean="0"/>
               <a:t>12/2/2019</a:t>
             </a:fld>
             <a:endParaRPr lang="en-US" dirty="0"/>
@@ -1385,8 +1390,8 @@
           <a:bodyPr/>
           <a:lstStyle/>
           <a:p>
-            <a:fld id="{8A4C08AF-84E6-4329-8E67-FEA434B47075}" type="datetimeFigureOut">
-              <a:rPr lang="en-US" dirty="0"/>
+            <a:fld id="{2C59BC8F-C8F4-47A0-9723-05096A2C4E96}" type="datetime1">
+              <a:rPr lang="en-US" smtClean="0"/>
               <a:t>12/2/2019</a:t>
             </a:fld>
             <a:endParaRPr lang="en-US" dirty="0"/>
@@ -1693,8 +1698,8 @@
           <a:bodyPr/>
           <a:lstStyle/>
           <a:p>
-            <a:fld id="{4F6EE328-6AFF-436B-881F-213D56084544}" type="datetimeFigureOut">
-              <a:rPr lang="en-US" dirty="0"/>
+            <a:fld id="{58272461-3009-487E-8B63-FBAAA13C26D8}" type="datetime1">
+              <a:rPr lang="en-US" smtClean="0"/>
               <a:t>12/2/2019</a:t>
             </a:fld>
             <a:endParaRPr lang="en-US" dirty="0"/>
@@ -2075,8 +2080,8 @@
           <a:bodyPr/>
           <a:lstStyle/>
           <a:p>
-            <a:fld id="{AE02069A-09EE-4C7C-86A4-2314A404921D}" type="datetimeFigureOut">
-              <a:rPr lang="en-US" dirty="0"/>
+            <a:fld id="{A8D46482-66FC-4517-B45A-91314EA47A2B}" type="datetime1">
+              <a:rPr lang="en-US" smtClean="0"/>
               <a:t>12/2/2019</a:t>
             </a:fld>
             <a:endParaRPr lang="en-US" dirty="0"/>
@@ -2504,8 +2509,8 @@
           <a:bodyPr/>
           <a:lstStyle/>
           <a:p>
-            <a:fld id="{D56EE7F1-171E-411F-96CA-A251A21496E7}" type="datetimeFigureOut">
-              <a:rPr lang="en-US" dirty="0"/>
+            <a:fld id="{4E0A1470-A005-417B-80C1-CE5E5D6FFBB1}" type="datetime1">
+              <a:rPr lang="en-US" smtClean="0"/>
               <a:t>12/2/2019</a:t>
             </a:fld>
             <a:endParaRPr lang="en-US" dirty="0"/>
@@ -2617,8 +2622,8 @@
           <a:bodyPr/>
           <a:lstStyle/>
           <a:p>
-            <a:fld id="{8872C98D-A273-4547-9B92-97D7769F71A6}" type="datetimeFigureOut">
-              <a:rPr lang="en-US" dirty="0"/>
+            <a:fld id="{BE6231BA-B29C-4E27-8242-7FE5C4DA8537}" type="datetime1">
+              <a:rPr lang="en-US" smtClean="0"/>
               <a:t>12/2/2019</a:t>
             </a:fld>
             <a:endParaRPr lang="en-US" dirty="0"/>
@@ -2707,8 +2712,8 @@
           <a:bodyPr/>
           <a:lstStyle/>
           <a:p>
-            <a:fld id="{BAB7CD67-0644-446C-B2AD-1C09BF34F286}" type="datetimeFigureOut">
-              <a:rPr lang="en-US" dirty="0"/>
+            <a:fld id="{53F80CFD-696D-4B8A-9D22-AB23055B6EF1}" type="datetime1">
+              <a:rPr lang="en-US" smtClean="0"/>
               <a:t>12/2/2019</a:t>
             </a:fld>
             <a:endParaRPr lang="en-US" dirty="0"/>
@@ -3052,8 +3057,8 @@
           <a:bodyPr/>
           <a:lstStyle/>
           <a:p>
-            <a:fld id="{81480828-6983-48AD-9E27-CBD3696F837E}" type="datetimeFigureOut">
-              <a:rPr lang="en-US" dirty="0"/>
+            <a:fld id="{29DCD787-4128-45A2-B82D-F091F20FC260}" type="datetime1">
+              <a:rPr lang="en-US" smtClean="0"/>
               <a:t>12/2/2019</a:t>
             </a:fld>
             <a:endParaRPr lang="en-US" dirty="0"/>
@@ -3472,8 +3477,8 @@
           <a:bodyPr/>
           <a:lstStyle/>
           <a:p>
-            <a:fld id="{2C5EFB91-0324-450E-B17F-36DC0ECCE413}" type="datetimeFigureOut">
-              <a:rPr lang="en-US" dirty="0"/>
+            <a:fld id="{EF9BAEA4-0514-4EAD-87A1-89E00C7ACAB6}" type="datetime1">
+              <a:rPr lang="en-US" smtClean="0"/>
               <a:t>12/2/2019</a:t>
             </a:fld>
             <a:endParaRPr lang="en-US" dirty="0"/>
@@ -3778,8 +3783,8 @@
             </a:lvl1pPr>
           </a:lstStyle>
           <a:p>
-            <a:fld id="{52E37674-C1BA-4107-9B06-6D4CAC3A3DF5}" type="datetimeFigureOut">
-              <a:rPr lang="en-US" dirty="0"/>
+            <a:fld id="{A80C9EA1-93F7-4660-BE61-F5078B2FA515}" type="datetime1">
+              <a:rPr lang="en-US" smtClean="0"/>
               <a:t>12/2/2019</a:t>
             </a:fld>
             <a:endParaRPr lang="en-US" dirty="0"/>
@@ -3967,7 +3972,7 @@
     <p:sldLayoutId id="2147483850" r:id="rId10"/>
     <p:sldLayoutId id="2147483851" r:id="rId11"/>
   </p:sldLayoutIdLst>
-  <p:hf sldNum="0" hdr="0" ftr="0" dt="0"/>
+  <p:hf hdr="0" ftr="0" dt="0"/>
   <p:txStyles>
     <p:titleStyle>
       <a:lvl1pPr algn="l" defTabSz="914400" rtl="0" eaLnBrk="1" latinLnBrk="0" hangingPunct="1">
@@ -4545,6 +4550,30 @@
           </a:p>
         </p:txBody>
       </p:sp>
+      <p:sp>
+        <p:nvSpPr>
+          <p:cNvPr id="4" name="Chỗ dành sẵn cho Số hiệu Bản chiếu 3"/>
+          <p:cNvSpPr>
+            <a:spLocks noGrp="1"/>
+          </p:cNvSpPr>
+          <p:nvPr>
+            <p:ph type="sldNum" sz="quarter" idx="12"/>
+          </p:nvPr>
+        </p:nvSpPr>
+        <p:spPr/>
+        <p:txBody>
+          <a:bodyPr/>
+          <a:lstStyle/>
+          <a:p>
+            <a:fld id="{4FAB73BC-B049-4115-A692-8D63A059BFB8}" type="slidenum">
+              <a:rPr lang="en-US" smtClean="0"/>
+              <a:pPr/>
+              <a:t>1</a:t>
+            </a:fld>
+            <a:endParaRPr lang="en-US" dirty="0"/>
+          </a:p>
+        </p:txBody>
+      </p:sp>
     </p:spTree>
     <p:extLst>
       <p:ext uri="{BB962C8B-B14F-4D97-AF65-F5344CB8AC3E}">
@@ -4596,6 +4625,29 @@
           <a:chExt cx="0" cy="0"/>
         </a:xfrm>
       </p:grpSpPr>
+      <p:sp>
+        <p:nvSpPr>
+          <p:cNvPr id="2" name="Chỗ dành sẵn cho Số hiệu Bản chiếu 1"/>
+          <p:cNvSpPr>
+            <a:spLocks noGrp="1"/>
+          </p:cNvSpPr>
+          <p:nvPr>
+            <p:ph type="sldNum" sz="quarter" idx="12"/>
+          </p:nvPr>
+        </p:nvSpPr>
+        <p:spPr/>
+        <p:txBody>
+          <a:bodyPr/>
+          <a:lstStyle/>
+          <a:p>
+            <a:fld id="{4FAB73BC-B049-4115-A692-8D63A059BFB8}" type="slidenum">
+              <a:rPr lang="en-US" smtClean="0"/>
+              <a:t>10</a:t>
+            </a:fld>
+            <a:endParaRPr lang="en-US" dirty="0"/>
+          </a:p>
+        </p:txBody>
+      </p:sp>
     </p:spTree>
     <p:extLst>
       <p:ext uri="{BB962C8B-B14F-4D97-AF65-F5344CB8AC3E}">
@@ -5380,6 +5432,29 @@
               <a:latin typeface="Times New Roman" panose="02020603050405020304" pitchFamily="18" charset="0"/>
               <a:cs typeface="Times New Roman" panose="02020603050405020304" pitchFamily="18" charset="0"/>
             </a:endParaRPr>
+          </a:p>
+        </p:txBody>
+      </p:sp>
+      <p:sp>
+        <p:nvSpPr>
+          <p:cNvPr id="3" name="Chỗ dành sẵn cho Số hiệu Bản chiếu 2"/>
+          <p:cNvSpPr>
+            <a:spLocks noGrp="1"/>
+          </p:cNvSpPr>
+          <p:nvPr>
+            <p:ph type="sldNum" sz="quarter" idx="12"/>
+          </p:nvPr>
+        </p:nvSpPr>
+        <p:spPr/>
+        <p:txBody>
+          <a:bodyPr/>
+          <a:lstStyle/>
+          <a:p>
+            <a:fld id="{4FAB73BC-B049-4115-A692-8D63A059BFB8}" type="slidenum">
+              <a:rPr lang="en-US" smtClean="0"/>
+              <a:t>2</a:t>
+            </a:fld>
+            <a:endParaRPr lang="en-US" dirty="0"/>
           </a:p>
         </p:txBody>
       </p:sp>
@@ -5617,6 +5692,29 @@
           </a:prstGeom>
         </p:spPr>
       </p:pic>
+      <p:sp>
+        <p:nvSpPr>
+          <p:cNvPr id="4" name="Chỗ dành sẵn cho Số hiệu Bản chiếu 3"/>
+          <p:cNvSpPr>
+            <a:spLocks noGrp="1"/>
+          </p:cNvSpPr>
+          <p:nvPr>
+            <p:ph type="sldNum" sz="quarter" idx="12"/>
+          </p:nvPr>
+        </p:nvSpPr>
+        <p:spPr/>
+        <p:txBody>
+          <a:bodyPr/>
+          <a:lstStyle/>
+          <a:p>
+            <a:fld id="{4FAB73BC-B049-4115-A692-8D63A059BFB8}" type="slidenum">
+              <a:rPr lang="en-US" smtClean="0"/>
+              <a:t>3</a:t>
+            </a:fld>
+            <a:endParaRPr lang="en-US" dirty="0"/>
+          </a:p>
+        </p:txBody>
+      </p:sp>
     </p:spTree>
     <p:extLst>
       <p:ext uri="{BB962C8B-B14F-4D97-AF65-F5344CB8AC3E}">
@@ -5714,6 +5812,29 @@
           </a:prstGeom>
         </p:spPr>
       </p:pic>
+      <p:sp>
+        <p:nvSpPr>
+          <p:cNvPr id="3" name="Chỗ dành sẵn cho Số hiệu Bản chiếu 2"/>
+          <p:cNvSpPr>
+            <a:spLocks noGrp="1"/>
+          </p:cNvSpPr>
+          <p:nvPr>
+            <p:ph type="sldNum" sz="quarter" idx="12"/>
+          </p:nvPr>
+        </p:nvSpPr>
+        <p:spPr/>
+        <p:txBody>
+          <a:bodyPr/>
+          <a:lstStyle/>
+          <a:p>
+            <a:fld id="{4FAB73BC-B049-4115-A692-8D63A059BFB8}" type="slidenum">
+              <a:rPr lang="en-US" smtClean="0"/>
+              <a:t>4</a:t>
+            </a:fld>
+            <a:endParaRPr lang="en-US" dirty="0"/>
+          </a:p>
+        </p:txBody>
+      </p:sp>
     </p:spTree>
     <p:extLst>
       <p:ext uri="{BB962C8B-B14F-4D97-AF65-F5344CB8AC3E}">
@@ -5841,6 +5962,29 @@
           </a:sp3d>
         </p:spPr>
       </p:pic>
+      <p:sp>
+        <p:nvSpPr>
+          <p:cNvPr id="4" name="Chỗ dành sẵn cho Số hiệu Bản chiếu 3"/>
+          <p:cNvSpPr>
+            <a:spLocks noGrp="1"/>
+          </p:cNvSpPr>
+          <p:nvPr>
+            <p:ph type="sldNum" sz="quarter" idx="12"/>
+          </p:nvPr>
+        </p:nvSpPr>
+        <p:spPr/>
+        <p:txBody>
+          <a:bodyPr/>
+          <a:lstStyle/>
+          <a:p>
+            <a:fld id="{4FAB73BC-B049-4115-A692-8D63A059BFB8}" type="slidenum">
+              <a:rPr lang="en-US" smtClean="0"/>
+              <a:t>5</a:t>
+            </a:fld>
+            <a:endParaRPr lang="en-US" dirty="0"/>
+          </a:p>
+        </p:txBody>
+      </p:sp>
     </p:spTree>
     <p:extLst>
       <p:ext uri="{BB962C8B-B14F-4D97-AF65-F5344CB8AC3E}">
@@ -6093,6 +6237,29 @@
           </a:p>
           <a:p>
             <a:endParaRPr lang="en-US" sz="4000" dirty="0"/>
+          </a:p>
+        </p:txBody>
+      </p:sp>
+      <p:sp>
+        <p:nvSpPr>
+          <p:cNvPr id="3" name="Chỗ dành sẵn cho Số hiệu Bản chiếu 2"/>
+          <p:cNvSpPr>
+            <a:spLocks noGrp="1"/>
+          </p:cNvSpPr>
+          <p:nvPr>
+            <p:ph type="sldNum" sz="quarter" idx="12"/>
+          </p:nvPr>
+        </p:nvSpPr>
+        <p:spPr/>
+        <p:txBody>
+          <a:bodyPr/>
+          <a:lstStyle/>
+          <a:p>
+            <a:fld id="{4FAB73BC-B049-4115-A692-8D63A059BFB8}" type="slidenum">
+              <a:rPr lang="en-US" smtClean="0"/>
+              <a:t>6</a:t>
+            </a:fld>
+            <a:endParaRPr lang="en-US" dirty="0"/>
           </a:p>
         </p:txBody>
       </p:sp>
@@ -6272,6 +6439,29 @@
               </a:rPr>
               <a:t> web</a:t>
             </a:r>
+          </a:p>
+        </p:txBody>
+      </p:sp>
+      <p:sp>
+        <p:nvSpPr>
+          <p:cNvPr id="3" name="Chỗ dành sẵn cho Số hiệu Bản chiếu 2"/>
+          <p:cNvSpPr>
+            <a:spLocks noGrp="1"/>
+          </p:cNvSpPr>
+          <p:nvPr>
+            <p:ph type="sldNum" sz="quarter" idx="12"/>
+          </p:nvPr>
+        </p:nvSpPr>
+        <p:spPr/>
+        <p:txBody>
+          <a:bodyPr/>
+          <a:lstStyle/>
+          <a:p>
+            <a:fld id="{4FAB73BC-B049-4115-A692-8D63A059BFB8}" type="slidenum">
+              <a:rPr lang="en-US" smtClean="0"/>
+              <a:t>7</a:t>
+            </a:fld>
+            <a:endParaRPr lang="en-US" dirty="0"/>
           </a:p>
         </p:txBody>
       </p:sp>
@@ -6531,6 +6721,29 @@
           </a:prstGeom>
         </p:spPr>
       </p:pic>
+      <p:sp>
+        <p:nvSpPr>
+          <p:cNvPr id="7" name="Chỗ dành sẵn cho Số hiệu Bản chiếu 6"/>
+          <p:cNvSpPr>
+            <a:spLocks noGrp="1"/>
+          </p:cNvSpPr>
+          <p:nvPr>
+            <p:ph type="sldNum" sz="quarter" idx="12"/>
+          </p:nvPr>
+        </p:nvSpPr>
+        <p:spPr/>
+        <p:txBody>
+          <a:bodyPr/>
+          <a:lstStyle/>
+          <a:p>
+            <a:fld id="{4FAB73BC-B049-4115-A692-8D63A059BFB8}" type="slidenum">
+              <a:rPr lang="en-US" smtClean="0"/>
+              <a:t>8</a:t>
+            </a:fld>
+            <a:endParaRPr lang="en-US" dirty="0"/>
+          </a:p>
+        </p:txBody>
+      </p:sp>
     </p:spTree>
     <p:extLst>
       <p:ext uri="{BB962C8B-B14F-4D97-AF65-F5344CB8AC3E}">
@@ -8388,6 +8601,29 @@
           </a:p>
         </p:txBody>
       </p:sp>
+      <p:sp>
+        <p:nvSpPr>
+          <p:cNvPr id="7" name="Chỗ dành sẵn cho Số hiệu Bản chiếu 6"/>
+          <p:cNvSpPr>
+            <a:spLocks noGrp="1"/>
+          </p:cNvSpPr>
+          <p:nvPr>
+            <p:ph type="sldNum" sz="quarter" idx="12"/>
+          </p:nvPr>
+        </p:nvSpPr>
+        <p:spPr/>
+        <p:txBody>
+          <a:bodyPr/>
+          <a:lstStyle/>
+          <a:p>
+            <a:fld id="{4FAB73BC-B049-4115-A692-8D63A059BFB8}" type="slidenum">
+              <a:rPr lang="en-US" smtClean="0"/>
+              <a:t>9</a:t>
+            </a:fld>
+            <a:endParaRPr lang="en-US" dirty="0"/>
+          </a:p>
+        </p:txBody>
+      </p:sp>
     </p:spTree>
     <p:extLst>
       <p:ext uri="{BB962C8B-B14F-4D97-AF65-F5344CB8AC3E}">

--- a/BaoCaoDoAn1.pptx
+++ b/BaoCaoDoAn1.pptx
@@ -206,7 +206,7 @@
           <a:p>
             <a:fld id="{330DD36D-0D19-4874-8954-0925D532D610}" type="datetimeFigureOut">
               <a:rPr lang="en-US" smtClean="0"/>
-              <a:t>12/2/2019</a:t>
+              <a:t>12/3/2019</a:t>
             </a:fld>
             <a:endParaRPr lang="en-US"/>
           </a:p>
@@ -877,7 +877,7 @@
           <a:p>
             <a:fld id="{249B45D0-7E82-4276-8E3D-1E925B6BDE27}" type="datetime1">
               <a:rPr lang="en-US" smtClean="0"/>
-              <a:t>12/2/2019</a:t>
+              <a:t>12/3/2019</a:t>
             </a:fld>
             <a:endParaRPr lang="en-US" dirty="0"/>
           </a:p>
@@ -1052,7 +1052,7 @@
           <a:p>
             <a:fld id="{CCF4CC26-1A21-4617-9BC9-0C0E93D25710}" type="datetime1">
               <a:rPr lang="en-US" smtClean="0"/>
-              <a:t>12/2/2019</a:t>
+              <a:t>12/3/2019</a:t>
             </a:fld>
             <a:endParaRPr lang="en-US" dirty="0"/>
           </a:p>
@@ -1227,7 +1227,7 @@
           <a:p>
             <a:fld id="{B6A79C51-C5FC-40E3-A682-EE64AD1EC35A}" type="datetime1">
               <a:rPr lang="en-US" smtClean="0"/>
-              <a:t>12/2/2019</a:t>
+              <a:t>12/3/2019</a:t>
             </a:fld>
             <a:endParaRPr lang="en-US" dirty="0"/>
           </a:p>
@@ -1392,7 +1392,7 @@
           <a:p>
             <a:fld id="{2C59BC8F-C8F4-47A0-9723-05096A2C4E96}" type="datetime1">
               <a:rPr lang="en-US" smtClean="0"/>
-              <a:t>12/2/2019</a:t>
+              <a:t>12/3/2019</a:t>
             </a:fld>
             <a:endParaRPr lang="en-US" dirty="0"/>
           </a:p>
@@ -1700,7 +1700,7 @@
           <a:p>
             <a:fld id="{58272461-3009-487E-8B63-FBAAA13C26D8}" type="datetime1">
               <a:rPr lang="en-US" smtClean="0"/>
-              <a:t>12/2/2019</a:t>
+              <a:t>12/3/2019</a:t>
             </a:fld>
             <a:endParaRPr lang="en-US" dirty="0"/>
           </a:p>
@@ -2082,7 +2082,7 @@
           <a:p>
             <a:fld id="{A8D46482-66FC-4517-B45A-91314EA47A2B}" type="datetime1">
               <a:rPr lang="en-US" smtClean="0"/>
-              <a:t>12/2/2019</a:t>
+              <a:t>12/3/2019</a:t>
             </a:fld>
             <a:endParaRPr lang="en-US" dirty="0"/>
           </a:p>
@@ -2511,7 +2511,7 @@
           <a:p>
             <a:fld id="{4E0A1470-A005-417B-80C1-CE5E5D6FFBB1}" type="datetime1">
               <a:rPr lang="en-US" smtClean="0"/>
-              <a:t>12/2/2019</a:t>
+              <a:t>12/3/2019</a:t>
             </a:fld>
             <a:endParaRPr lang="en-US" dirty="0"/>
           </a:p>
@@ -2624,7 +2624,7 @@
           <a:p>
             <a:fld id="{BE6231BA-B29C-4E27-8242-7FE5C4DA8537}" type="datetime1">
               <a:rPr lang="en-US" smtClean="0"/>
-              <a:t>12/2/2019</a:t>
+              <a:t>12/3/2019</a:t>
             </a:fld>
             <a:endParaRPr lang="en-US" dirty="0"/>
           </a:p>
@@ -2714,7 +2714,7 @@
           <a:p>
             <a:fld id="{53F80CFD-696D-4B8A-9D22-AB23055B6EF1}" type="datetime1">
               <a:rPr lang="en-US" smtClean="0"/>
-              <a:t>12/2/2019</a:t>
+              <a:t>12/3/2019</a:t>
             </a:fld>
             <a:endParaRPr lang="en-US" dirty="0"/>
           </a:p>
@@ -3059,7 +3059,7 @@
           <a:p>
             <a:fld id="{29DCD787-4128-45A2-B82D-F091F20FC260}" type="datetime1">
               <a:rPr lang="en-US" smtClean="0"/>
-              <a:t>12/2/2019</a:t>
+              <a:t>12/3/2019</a:t>
             </a:fld>
             <a:endParaRPr lang="en-US" dirty="0"/>
           </a:p>
@@ -3479,7 +3479,7 @@
           <a:p>
             <a:fld id="{EF9BAEA4-0514-4EAD-87A1-89E00C7ACAB6}" type="datetime1">
               <a:rPr lang="en-US" smtClean="0"/>
-              <a:t>12/2/2019</a:t>
+              <a:t>12/3/2019</a:t>
             </a:fld>
             <a:endParaRPr lang="en-US" dirty="0"/>
           </a:p>
@@ -3785,7 +3785,7 @@
           <a:p>
             <a:fld id="{A80C9EA1-93F7-4660-BE61-F5078B2FA515}" type="datetime1">
               <a:rPr lang="en-US" smtClean="0"/>
-              <a:t>12/2/2019</a:t>
+              <a:t>12/3/2019</a:t>
             </a:fld>
             <a:endParaRPr lang="en-US" dirty="0"/>
           </a:p>
@@ -4435,27 +4435,57 @@
                 <a:latin typeface="Times New Roman" panose="02020603050405020304" pitchFamily="18" charset="0"/>
                 <a:cs typeface="Times New Roman" panose="02020603050405020304" pitchFamily="18" charset="0"/>
               </a:rPr>
-              <a:t>GVHD: TS. </a:t>
+              <a:t>SVTH</a:t>
+            </a:r>
+            <a:r>
+              <a:rPr lang="en-US" dirty="0" smtClean="0">
+                <a:latin typeface="Times New Roman" panose="02020603050405020304" pitchFamily="18" charset="0"/>
+                <a:cs typeface="Times New Roman" panose="02020603050405020304" pitchFamily="18" charset="0"/>
+              </a:rPr>
+              <a:t>: 	Vũ </a:t>
             </a:r>
             <a:r>
               <a:rPr lang="en-US" dirty="0" err="1" smtClean="0">
                 <a:latin typeface="Times New Roman" panose="02020603050405020304" pitchFamily="18" charset="0"/>
                 <a:cs typeface="Times New Roman" panose="02020603050405020304" pitchFamily="18" charset="0"/>
               </a:rPr>
-              <a:t>Huỳnh</a:t>
+              <a:t>Hoàng</a:t>
             </a:r>
             <a:r>
               <a:rPr lang="en-US" dirty="0" smtClean="0">
                 <a:latin typeface="Times New Roman" panose="02020603050405020304" pitchFamily="18" charset="0"/>
                 <a:cs typeface="Times New Roman" panose="02020603050405020304" pitchFamily="18" charset="0"/>
               </a:rPr>
-              <a:t> </a:t>
+              <a:t> Hiệp</a:t>
+            </a:r>
+          </a:p>
+          <a:p>
+            <a:r>
+              <a:rPr lang="en-US" dirty="0">
+                <a:latin typeface="Times New Roman" panose="02020603050405020304" pitchFamily="18" charset="0"/>
+                <a:cs typeface="Times New Roman" panose="02020603050405020304" pitchFamily="18" charset="0"/>
+              </a:rPr>
+              <a:t>	</a:t>
             </a:r>
             <a:r>
               <a:rPr lang="en-US" dirty="0" err="1" smtClean="0">
                 <a:latin typeface="Times New Roman" panose="02020603050405020304" pitchFamily="18" charset="0"/>
                 <a:cs typeface="Times New Roman" panose="02020603050405020304" pitchFamily="18" charset="0"/>
               </a:rPr>
+              <a:t>Nguyễn</a:t>
+            </a:r>
+            <a:r>
+              <a:rPr lang="en-US" dirty="0" smtClean="0">
+                <a:latin typeface="Times New Roman" panose="02020603050405020304" pitchFamily="18" charset="0"/>
+                <a:cs typeface="Times New Roman" panose="02020603050405020304" pitchFamily="18" charset="0"/>
+              </a:rPr>
+              <a:t> </a:t>
+            </a:r>
+            <a:r>
+              <a:rPr lang="en-US" dirty="0" err="1" smtClean="0">
+                <a:latin typeface="Times New Roman" panose="02020603050405020304" pitchFamily="18" charset="0"/>
+                <a:cs typeface="Times New Roman" panose="02020603050405020304" pitchFamily="18" charset="0"/>
+              </a:rPr>
               <a:t>Xuân</a:t>
             </a:r>
             <a:r>
@@ -4470,7 +4500,7 @@
                 <a:latin typeface="Times New Roman" panose="02020603050405020304" pitchFamily="18" charset="0"/>
                 <a:cs typeface="Times New Roman" panose="02020603050405020304" pitchFamily="18" charset="0"/>
               </a:rPr>
-              <a:t>Phụng</a:t>
+              <a:t>Điền</a:t>
             </a:r>
             <a:endParaRPr lang="en-US" dirty="0" smtClean="0">
               <a:latin typeface="Times New Roman" panose="02020603050405020304" pitchFamily="18" charset="0"/>
@@ -4479,70 +4509,53 @@
           </a:p>
           <a:p>
             <a:r>
-              <a:rPr lang="en-US" dirty="0" smtClean="0">
-                <a:latin typeface="Times New Roman" panose="02020603050405020304" pitchFamily="18" charset="0"/>
-                <a:cs typeface="Times New Roman" panose="02020603050405020304" pitchFamily="18" charset="0"/>
-              </a:rPr>
-              <a:t>SVTH: 	Vũ </a:t>
-            </a:r>
-            <a:r>
-              <a:rPr lang="en-US" dirty="0" err="1" smtClean="0">
-                <a:latin typeface="Times New Roman" panose="02020603050405020304" pitchFamily="18" charset="0"/>
-                <a:cs typeface="Times New Roman" panose="02020603050405020304" pitchFamily="18" charset="0"/>
-              </a:rPr>
-              <a:t>Hoàng</a:t>
-            </a:r>
-            <a:r>
-              <a:rPr lang="en-US" dirty="0" smtClean="0">
-                <a:latin typeface="Times New Roman" panose="02020603050405020304" pitchFamily="18" charset="0"/>
-                <a:cs typeface="Times New Roman" panose="02020603050405020304" pitchFamily="18" charset="0"/>
-              </a:rPr>
-              <a:t> Hiệp</a:t>
-            </a:r>
-          </a:p>
-          <a:p>
-            <a:r>
               <a:rPr lang="en-US" dirty="0">
                 <a:latin typeface="Times New Roman" panose="02020603050405020304" pitchFamily="18" charset="0"/>
                 <a:cs typeface="Times New Roman" panose="02020603050405020304" pitchFamily="18" charset="0"/>
               </a:rPr>
-              <a:t>	</a:t>
-            </a:r>
-            <a:r>
-              <a:rPr lang="en-US" dirty="0" err="1" smtClean="0">
-                <a:latin typeface="Times New Roman" panose="02020603050405020304" pitchFamily="18" charset="0"/>
-                <a:cs typeface="Times New Roman" panose="02020603050405020304" pitchFamily="18" charset="0"/>
-              </a:rPr>
-              <a:t>Nguyễn</a:t>
-            </a:r>
-            <a:r>
-              <a:rPr lang="en-US" dirty="0" smtClean="0">
-                <a:latin typeface="Times New Roman" panose="02020603050405020304" pitchFamily="18" charset="0"/>
-                <a:cs typeface="Times New Roman" panose="02020603050405020304" pitchFamily="18" charset="0"/>
-              </a:rPr>
-              <a:t> </a:t>
-            </a:r>
-            <a:r>
-              <a:rPr lang="en-US" dirty="0" err="1" smtClean="0">
+              <a:t>GVHD: TS. </a:t>
+            </a:r>
+            <a:r>
+              <a:rPr lang="en-US" dirty="0" err="1">
+                <a:latin typeface="Times New Roman" panose="02020603050405020304" pitchFamily="18" charset="0"/>
+                <a:cs typeface="Times New Roman" panose="02020603050405020304" pitchFamily="18" charset="0"/>
+              </a:rPr>
+              <a:t>Huỳnh</a:t>
+            </a:r>
+            <a:r>
+              <a:rPr lang="en-US" dirty="0">
+                <a:latin typeface="Times New Roman" panose="02020603050405020304" pitchFamily="18" charset="0"/>
+                <a:cs typeface="Times New Roman" panose="02020603050405020304" pitchFamily="18" charset="0"/>
+              </a:rPr>
+              <a:t> </a:t>
+            </a:r>
+            <a:r>
+              <a:rPr lang="en-US" dirty="0" err="1">
                 <a:latin typeface="Times New Roman" panose="02020603050405020304" pitchFamily="18" charset="0"/>
                 <a:cs typeface="Times New Roman" panose="02020603050405020304" pitchFamily="18" charset="0"/>
               </a:rPr>
               <a:t>Xuân</a:t>
             </a:r>
             <a:r>
-              <a:rPr lang="en-US" dirty="0" smtClean="0">
-                <a:latin typeface="Times New Roman" panose="02020603050405020304" pitchFamily="18" charset="0"/>
-                <a:cs typeface="Times New Roman" panose="02020603050405020304" pitchFamily="18" charset="0"/>
-              </a:rPr>
-              <a:t> </a:t>
-            </a:r>
-            <a:r>
-              <a:rPr lang="en-US" dirty="0" err="1" smtClean="0">
-                <a:latin typeface="Times New Roman" panose="02020603050405020304" pitchFamily="18" charset="0"/>
-                <a:cs typeface="Times New Roman" panose="02020603050405020304" pitchFamily="18" charset="0"/>
-              </a:rPr>
-              <a:t>Điền</a:t>
-            </a:r>
+              <a:rPr lang="en-US" dirty="0">
+                <a:latin typeface="Times New Roman" panose="02020603050405020304" pitchFamily="18" charset="0"/>
+                <a:cs typeface="Times New Roman" panose="02020603050405020304" pitchFamily="18" charset="0"/>
+              </a:rPr>
+              <a:t> </a:t>
+            </a:r>
+            <a:r>
+              <a:rPr lang="en-US" dirty="0" err="1">
+                <a:latin typeface="Times New Roman" panose="02020603050405020304" pitchFamily="18" charset="0"/>
+                <a:cs typeface="Times New Roman" panose="02020603050405020304" pitchFamily="18" charset="0"/>
+              </a:rPr>
+              <a:t>Phụng</a:t>
+            </a:r>
+            <a:endParaRPr lang="en-US" dirty="0">
+              <a:latin typeface="Times New Roman" panose="02020603050405020304" pitchFamily="18" charset="0"/>
+              <a:cs typeface="Times New Roman" panose="02020603050405020304" pitchFamily="18" charset="0"/>
+            </a:endParaRPr>
+          </a:p>
+          <a:p>
             <a:endParaRPr lang="en-US" dirty="0">
               <a:latin typeface="Times New Roman" panose="02020603050405020304" pitchFamily="18" charset="0"/>
               <a:cs typeface="Times New Roman" panose="02020603050405020304" pitchFamily="18" charset="0"/>
